--- a/1-Introduction/0-overview/2-overview-modelica.pptx
+++ b/1-Introduction/0-overview/2-overview-modelica.pptx
@@ -27429,8 +27429,8 @@
             <a:effectLst/>
           </p:spPr>
         </p:cxnSp>
-        <mc:AlternateContent xmlns:mc="http://schemas.openxmlformats.org/markup-compatibility/2006" xmlns:a14="http://schemas.microsoft.com/office/drawing/2010/main">
-          <mc:Choice Requires="a14">
+        <mc:AlternateContent xmlns:mc="http://schemas.openxmlformats.org/markup-compatibility/2006">
+          <mc:Choice xmlns:a14="http://schemas.microsoft.com/office/drawing/2010/main" Requires="a14">
             <p:sp>
               <p:nvSpPr>
                 <p:cNvPr id="21" name="TextBox 20">
@@ -27446,7 +27446,7 @@
               <p:spPr>
                 <a:xfrm flipH="1">
                   <a:off x="2442712" y="2746665"/>
-                  <a:ext cx="369139" cy="461665"/>
+                  <a:ext cx="658706" cy="461665"/>
                 </a:xfrm>
                 <a:prstGeom prst="rect">
                   <a:avLst/>
@@ -27475,6 +27475,24 @@
                           </a:rPr>
                           <m:t>𝑖</m:t>
                         </m:r>
+                        <m:r>
+                          <a:rPr lang="en-US" b="0" i="1" smtClean="0">
+                            <a:solidFill>
+                              <a:srgbClr val="FF0000"/>
+                            </a:solidFill>
+                            <a:latin typeface="Cambria Math" panose="02040503050406030204" pitchFamily="18" charset="0"/>
+                          </a:rPr>
+                          <m:t>, </m:t>
+                        </m:r>
+                        <m:r>
+                          <a:rPr lang="en-US" b="0" i="1" smtClean="0">
+                            <a:solidFill>
+                              <a:srgbClr val="FF0000"/>
+                            </a:solidFill>
+                            <a:latin typeface="Cambria Math" panose="02040503050406030204" pitchFamily="18" charset="0"/>
+                          </a:rPr>
+                          <m:t>𝑣</m:t>
+                        </m:r>
                       </m:oMath>
                     </m:oMathPara>
                   </a14:m>
@@ -27487,7 +27505,7 @@
               </p:txBody>
             </p:sp>
           </mc:Choice>
-          <mc:Fallback xmlns="">
+          <mc:Fallback>
             <p:sp>
               <p:nvSpPr>
                 <p:cNvPr id="21" name="TextBox 20">
@@ -27505,7 +27523,7 @@
               <p:spPr>
                 <a:xfrm flipH="1">
                   <a:off x="2442712" y="2746665"/>
-                  <a:ext cx="369139" cy="461665"/>
+                  <a:ext cx="658706" cy="461665"/>
                 </a:xfrm>
                 <a:prstGeom prst="rect">
                   <a:avLst/>
@@ -29249,7 +29267,22 @@
               <a:rPr lang="en-US" sz="1800" dirty="0">
                 <a:latin typeface="Courier New" panose="02070309020205020404" pitchFamily="49" charset="0"/>
               </a:rPr>
-              <a:t>  extends </a:t>
+              <a:t>  </a:t>
+            </a:r>
+            <a:r>
+              <a:rPr lang="en-US" sz="1800" dirty="0">
+                <a:solidFill>
+                  <a:srgbClr val="3131FF"/>
+                </a:solidFill>
+                <a:latin typeface="Courier New" panose="02070309020205020404" pitchFamily="49" charset="0"/>
+              </a:rPr>
+              <a:t>extends</a:t>
+            </a:r>
+            <a:r>
+              <a:rPr lang="en-US" sz="1800" dirty="0">
+                <a:latin typeface="Courier New" panose="02070309020205020404" pitchFamily="49" charset="0"/>
+              </a:rPr>
+              <a:t> </a:t>
             </a:r>
             <a:r>
               <a:rPr lang="en-US" sz="1800" dirty="0" err="1">
@@ -29450,7 +29483,22 @@
               <a:rPr lang="en-US" sz="1800" dirty="0">
                 <a:latin typeface="Courier New" panose="02070309020205020404" pitchFamily="49" charset="0"/>
               </a:rPr>
-              <a:t>  extends </a:t>
+              <a:t>  </a:t>
+            </a:r>
+            <a:r>
+              <a:rPr lang="en-US" sz="1800" dirty="0">
+                <a:solidFill>
+                  <a:srgbClr val="3131FF"/>
+                </a:solidFill>
+                <a:latin typeface="Courier New" panose="02070309020205020404" pitchFamily="49" charset="0"/>
+              </a:rPr>
+              <a:t>extends</a:t>
+            </a:r>
+            <a:r>
+              <a:rPr lang="en-US" sz="1800" dirty="0">
+                <a:latin typeface="Courier New" panose="02070309020205020404" pitchFamily="49" charset="0"/>
+              </a:rPr>
+              <a:t> </a:t>
             </a:r>
             <a:r>
               <a:rPr lang="en-US" sz="1800" dirty="0" err="1">
@@ -29555,7 +29603,22 @@
               <a:rPr lang="en-US" sz="1800" dirty="0">
                 <a:latin typeface="Courier New" panose="02070309020205020404" pitchFamily="49" charset="0"/>
               </a:rPr>
-              <a:t>  L*der(</a:t>
+              <a:t>  L*</a:t>
+            </a:r>
+            <a:r>
+              <a:rPr lang="en-US" sz="1800" dirty="0">
+                <a:solidFill>
+                  <a:srgbClr val="3131FF"/>
+                </a:solidFill>
+                <a:latin typeface="Courier New" panose="02070309020205020404" pitchFamily="49" charset="0"/>
+              </a:rPr>
+              <a:t>der</a:t>
+            </a:r>
+            <a:r>
+              <a:rPr lang="en-US" sz="1800" dirty="0">
+                <a:latin typeface="Courier New" panose="02070309020205020404" pitchFamily="49" charset="0"/>
+              </a:rPr>
+              <a:t>(</a:t>
             </a:r>
             <a:r>
               <a:rPr lang="en-US" sz="1800" dirty="0" err="1">
@@ -29651,7 +29714,22 @@
               <a:rPr lang="en-US" sz="1800" dirty="0">
                 <a:latin typeface="Courier New" panose="02070309020205020404" pitchFamily="49" charset="0"/>
               </a:rPr>
-              <a:t>  extends </a:t>
+              <a:t>  </a:t>
+            </a:r>
+            <a:r>
+              <a:rPr lang="en-US" sz="1800" dirty="0">
+                <a:solidFill>
+                  <a:srgbClr val="3131FF"/>
+                </a:solidFill>
+                <a:latin typeface="Courier New" panose="02070309020205020404" pitchFamily="49" charset="0"/>
+              </a:rPr>
+              <a:t>extends</a:t>
+            </a:r>
+            <a:r>
+              <a:rPr lang="en-US" sz="1800" dirty="0">
+                <a:latin typeface="Courier New" panose="02070309020205020404" pitchFamily="49" charset="0"/>
+              </a:rPr>
+              <a:t> </a:t>
             </a:r>
             <a:r>
               <a:rPr lang="en-US" sz="1800" dirty="0" err="1">
@@ -29768,7 +29846,22 @@
               <a:rPr lang="en-US" sz="1800" dirty="0">
                 <a:latin typeface="Courier New" panose="02070309020205020404" pitchFamily="49" charset="0"/>
               </a:rPr>
-              <a:t> = C*der(v);</a:t>
+              <a:t> = C*</a:t>
+            </a:r>
+            <a:r>
+              <a:rPr lang="en-US" sz="1800" dirty="0">
+                <a:solidFill>
+                  <a:srgbClr val="3131FF"/>
+                </a:solidFill>
+                <a:latin typeface="Courier New" panose="02070309020205020404" pitchFamily="49" charset="0"/>
+              </a:rPr>
+              <a:t>der</a:t>
+            </a:r>
+            <a:r>
+              <a:rPr lang="en-US" sz="1800" dirty="0">
+                <a:latin typeface="Courier New" panose="02070309020205020404" pitchFamily="49" charset="0"/>
+              </a:rPr>
+              <a:t>(v);</a:t>
             </a:r>
           </a:p>
           <a:p>
@@ -30830,8 +30923,8 @@
             <a:effectLst/>
           </p:spPr>
         </p:cxnSp>
-        <mc:AlternateContent xmlns:mc="http://schemas.openxmlformats.org/markup-compatibility/2006" xmlns:a14="http://schemas.microsoft.com/office/drawing/2010/main">
-          <mc:Choice Requires="a14">
+        <mc:AlternateContent xmlns:mc="http://schemas.openxmlformats.org/markup-compatibility/2006">
+          <mc:Choice xmlns:a14="http://schemas.microsoft.com/office/drawing/2010/main" Requires="a14">
             <p:sp>
               <p:nvSpPr>
                 <p:cNvPr id="24" name="TextBox 23">
@@ -30847,7 +30940,7 @@
               <p:spPr>
                 <a:xfrm flipH="1">
                   <a:off x="2442712" y="2746665"/>
-                  <a:ext cx="437364" cy="461665"/>
+                  <a:ext cx="658706" cy="461665"/>
                 </a:xfrm>
                 <a:prstGeom prst="rect">
                   <a:avLst/>
@@ -30874,6 +30967,24 @@
                             </a:solidFill>
                             <a:latin typeface="Cambria Math" panose="02040503050406030204" pitchFamily="18" charset="0"/>
                           </a:rPr>
+                          <m:t>𝑖</m:t>
+                        </m:r>
+                        <m:r>
+                          <a:rPr lang="en-US" b="0" i="1" smtClean="0">
+                            <a:solidFill>
+                              <a:srgbClr val="FF0000"/>
+                            </a:solidFill>
+                            <a:latin typeface="Cambria Math" panose="02040503050406030204" pitchFamily="18" charset="0"/>
+                          </a:rPr>
+                          <m:t>,</m:t>
+                        </m:r>
+                        <m:r>
+                          <a:rPr lang="en-US" b="0" i="1" smtClean="0">
+                            <a:solidFill>
+                              <a:srgbClr val="FF0000"/>
+                            </a:solidFill>
+                            <a:latin typeface="Cambria Math" panose="02040503050406030204" pitchFamily="18" charset="0"/>
+                          </a:rPr>
                           <m:t>𝑣</m:t>
                         </m:r>
                       </m:oMath>
@@ -30888,7 +30999,7 @@
               </p:txBody>
             </p:sp>
           </mc:Choice>
-          <mc:Fallback xmlns="">
+          <mc:Fallback>
             <p:sp>
               <p:nvSpPr>
                 <p:cNvPr id="24" name="TextBox 23">
@@ -30906,7 +31017,7 @@
               <p:spPr>
                 <a:xfrm flipH="1">
                   <a:off x="2442712" y="2746665"/>
-                  <a:ext cx="437364" cy="461665"/>
+                  <a:ext cx="658706" cy="461665"/>
                 </a:xfrm>
                 <a:prstGeom prst="rect">
                   <a:avLst/>
@@ -31974,8 +32085,8 @@
             <a:effectLst/>
           </p:spPr>
         </p:cxnSp>
-        <mc:AlternateContent xmlns:mc="http://schemas.openxmlformats.org/markup-compatibility/2006" xmlns:a14="http://schemas.microsoft.com/office/drawing/2010/main">
-          <mc:Choice Requires="a14">
+        <mc:AlternateContent xmlns:mc="http://schemas.openxmlformats.org/markup-compatibility/2006">
+          <mc:Choice xmlns:a14="http://schemas.microsoft.com/office/drawing/2010/main" Requires="a14">
             <p:sp>
               <p:nvSpPr>
                 <p:cNvPr id="43" name="TextBox 42">
@@ -31991,7 +32102,7 @@
               <p:spPr>
                 <a:xfrm flipH="1">
                   <a:off x="2442712" y="2746665"/>
-                  <a:ext cx="437364" cy="461665"/>
+                  <a:ext cx="658706" cy="461665"/>
                 </a:xfrm>
                 <a:prstGeom prst="rect">
                   <a:avLst/>
@@ -32018,6 +32129,24 @@
                             </a:solidFill>
                             <a:latin typeface="Cambria Math" panose="02040503050406030204" pitchFamily="18" charset="0"/>
                           </a:rPr>
+                          <m:t>𝑖</m:t>
+                        </m:r>
+                        <m:r>
+                          <a:rPr lang="en-US" b="0" i="1" smtClean="0">
+                            <a:solidFill>
+                              <a:srgbClr val="FF0000"/>
+                            </a:solidFill>
+                            <a:latin typeface="Cambria Math" panose="02040503050406030204" pitchFamily="18" charset="0"/>
+                          </a:rPr>
+                          <m:t>,</m:t>
+                        </m:r>
+                        <m:r>
+                          <a:rPr lang="en-US" b="0" i="1" smtClean="0">
+                            <a:solidFill>
+                              <a:srgbClr val="FF0000"/>
+                            </a:solidFill>
+                            <a:latin typeface="Cambria Math" panose="02040503050406030204" pitchFamily="18" charset="0"/>
+                          </a:rPr>
                           <m:t>𝑣</m:t>
                         </m:r>
                       </m:oMath>
@@ -32032,7 +32161,7 @@
               </p:txBody>
             </p:sp>
           </mc:Choice>
-          <mc:Fallback xmlns="">
+          <mc:Fallback>
             <p:sp>
               <p:nvSpPr>
                 <p:cNvPr id="43" name="TextBox 42">
@@ -32050,7 +32179,7 @@
               <p:spPr>
                 <a:xfrm flipH="1">
                   <a:off x="2442712" y="2746665"/>
-                  <a:ext cx="437364" cy="461665"/>
+                  <a:ext cx="658706" cy="461665"/>
                 </a:xfrm>
                 <a:prstGeom prst="rect">
                   <a:avLst/>
@@ -33295,8 +33424,8 @@
             <a:effectLst/>
           </p:spPr>
         </p:cxnSp>
-        <mc:AlternateContent xmlns:mc="http://schemas.openxmlformats.org/markup-compatibility/2006" xmlns:a14="http://schemas.microsoft.com/office/drawing/2010/main">
-          <mc:Choice Requires="a14">
+        <mc:AlternateContent xmlns:mc="http://schemas.openxmlformats.org/markup-compatibility/2006">
+          <mc:Choice xmlns:a14="http://schemas.microsoft.com/office/drawing/2010/main" Requires="a14">
             <p:sp>
               <p:nvSpPr>
                 <p:cNvPr id="62" name="TextBox 61">
@@ -33312,7 +33441,7 @@
               <p:spPr>
                 <a:xfrm flipH="1">
                   <a:off x="2442712" y="2746665"/>
-                  <a:ext cx="437364" cy="461665"/>
+                  <a:ext cx="658706" cy="461665"/>
                 </a:xfrm>
                 <a:prstGeom prst="rect">
                   <a:avLst/>
@@ -33339,6 +33468,24 @@
                             </a:solidFill>
                             <a:latin typeface="Cambria Math" panose="02040503050406030204" pitchFamily="18" charset="0"/>
                           </a:rPr>
+                          <m:t>𝑖</m:t>
+                        </m:r>
+                        <m:r>
+                          <a:rPr lang="en-US" b="0" i="1" smtClean="0">
+                            <a:solidFill>
+                              <a:srgbClr val="FF0000"/>
+                            </a:solidFill>
+                            <a:latin typeface="Cambria Math" panose="02040503050406030204" pitchFamily="18" charset="0"/>
+                          </a:rPr>
+                          <m:t>,</m:t>
+                        </m:r>
+                        <m:r>
+                          <a:rPr lang="en-US" b="0" i="1" smtClean="0">
+                            <a:solidFill>
+                              <a:srgbClr val="FF0000"/>
+                            </a:solidFill>
+                            <a:latin typeface="Cambria Math" panose="02040503050406030204" pitchFamily="18" charset="0"/>
+                          </a:rPr>
                           <m:t>𝑣</m:t>
                         </m:r>
                       </m:oMath>
@@ -33353,7 +33500,7 @@
               </p:txBody>
             </p:sp>
           </mc:Choice>
-          <mc:Fallback xmlns="">
+          <mc:Fallback>
             <p:sp>
               <p:nvSpPr>
                 <p:cNvPr id="62" name="TextBox 61">
@@ -33371,7 +33518,7 @@
               <p:spPr>
                 <a:xfrm flipH="1">
                   <a:off x="2442712" y="2746665"/>
-                  <a:ext cx="437364" cy="461665"/>
+                  <a:ext cx="658706" cy="461665"/>
                 </a:xfrm>
                 <a:prstGeom prst="rect">
                   <a:avLst/>
@@ -36296,7 +36443,7 @@
         <p:spPr>
           <a:xfrm>
             <a:off x="943431" y="2867734"/>
-            <a:ext cx="6153150" cy="3108543"/>
+            <a:ext cx="6153150" cy="2893100"/>
           </a:xfrm>
           <a:prstGeom prst="rect">
             <a:avLst/>
@@ -36784,7 +36931,7 @@
               <a:rPr lang="en-US" sz="1400" dirty="0">
                 <a:latin typeface="Courier New" panose="02070309020205020404" pitchFamily="49" charset="0"/>
               </a:rPr>
-              <a:t>-T) </a:t>
+              <a:t>-T)</a:t>
             </a:r>
             <a:r>
               <a:rPr lang="en-US" sz="1400" dirty="0">
@@ -45942,6 +46089,21 @@
 </file>
 
 <file path=customXml/item1.xml><?xml version="1.0" encoding="utf-8"?>
+<p:properties xmlns:p="http://schemas.microsoft.com/office/2006/metadata/properties" xmlns:xsi="http://www.w3.org/2001/XMLSchema-instance" xmlns:pc="http://schemas.microsoft.com/office/infopath/2007/PartnerControls">
+  <documentManagement/>
+</p:properties>
+</file>
+
+<file path=customXml/item2.xml><?xml version="1.0" encoding="utf-8"?>
+<?mso-contentType ?>
+<FormTemplates xmlns="http://schemas.microsoft.com/sharepoint/v3/contenttype/forms">
+  <Display>DocumentLibraryForm</Display>
+  <Edit>DocumentLibraryForm</Edit>
+  <New>DocumentLibraryForm</New>
+</FormTemplates>
+</file>
+
+<file path=customXml/item3.xml><?xml version="1.0" encoding="utf-8"?>
 <ct:contentTypeSchema xmlns:ct="http://schemas.microsoft.com/office/2006/metadata/contentType" xmlns:ma="http://schemas.microsoft.com/office/2006/metadata/properties/metaAttributes" ct:_="" ma:_="" ma:contentTypeName="Document" ma:contentTypeID="0x01010043BBE1C98BA11D458FC0FFBC5F4CFC62" ma:contentTypeVersion="9" ma:contentTypeDescription="Create a new document." ma:contentTypeScope="" ma:versionID="c531daa4d80ad0e0f3bf29f7879447b0">
   <xsd:schema xmlns:xsd="http://www.w3.org/2001/XMLSchema" xmlns:xs="http://www.w3.org/2001/XMLSchema" xmlns:p="http://schemas.microsoft.com/office/2006/metadata/properties" xmlns:ns3="3ba0e893-0314-4953-bb5d-95eef26a3087" targetNamespace="http://schemas.microsoft.com/office/2006/metadata/properties" ma:root="true" ma:fieldsID="58278994cd287a0311b8ff9cbf886c72" ns3:_="">
     <xsd:import namespace="3ba0e893-0314-4953-bb5d-95eef26a3087"/>
@@ -46119,22 +46281,24 @@
 </ct:contentTypeSchema>
 </file>
 
-<file path=customXml/item2.xml><?xml version="1.0" encoding="utf-8"?>
-<p:properties xmlns:p="http://schemas.microsoft.com/office/2006/metadata/properties" xmlns:xsi="http://www.w3.org/2001/XMLSchema-instance" xmlns:pc="http://schemas.microsoft.com/office/infopath/2007/PartnerControls">
-  <documentManagement/>
-</p:properties>
+<file path=customXml/itemProps1.xml><?xml version="1.0" encoding="utf-8"?>
+<ds:datastoreItem xmlns:ds="http://schemas.openxmlformats.org/officeDocument/2006/customXml" ds:itemID="{3B8DC8D0-17FB-4D84-BCEC-53437834339B}">
+  <ds:schemaRefs>
+    <ds:schemaRef ds:uri="http://schemas.microsoft.com/office/2006/metadata/properties"/>
+    <ds:schemaRef ds:uri="http://schemas.microsoft.com/office/infopath/2007/PartnerControls"/>
+  </ds:schemaRefs>
+</ds:datastoreItem>
 </file>
 
-<file path=customXml/item3.xml><?xml version="1.0" encoding="utf-8"?>
-<?mso-contentType ?>
-<FormTemplates xmlns="http://schemas.microsoft.com/sharepoint/v3/contenttype/forms">
-  <Display>DocumentLibraryForm</Display>
-  <Edit>DocumentLibraryForm</Edit>
-  <New>DocumentLibraryForm</New>
-</FormTemplates>
+<file path=customXml/itemProps2.xml><?xml version="1.0" encoding="utf-8"?>
+<ds:datastoreItem xmlns:ds="http://schemas.openxmlformats.org/officeDocument/2006/customXml" ds:itemID="{60963C8F-CBEA-477F-BB24-A931E65942F9}">
+  <ds:schemaRefs>
+    <ds:schemaRef ds:uri="http://schemas.microsoft.com/sharepoint/v3/contenttype/forms"/>
+  </ds:schemaRefs>
+</ds:datastoreItem>
 </file>
 
-<file path=customXml/itemProps1.xml><?xml version="1.0" encoding="utf-8"?>
+<file path=customXml/itemProps3.xml><?xml version="1.0" encoding="utf-8"?>
 <ds:datastoreItem xmlns:ds="http://schemas.openxmlformats.org/officeDocument/2006/customXml" ds:itemID="{E98E9622-0ABC-4063-B0EE-0D8324B5D157}">
   <ds:schemaRefs>
     <ds:schemaRef ds:uri="http://schemas.microsoft.com/office/2006/metadata/contentType"/>
@@ -46150,21 +46314,4 @@
     <ds:schemaRef ds:uri="http://schemas.microsoft.com/internal/obd"/>
   </ds:schemaRefs>
 </ds:datastoreItem>
-</file>
-
-<file path=customXml/itemProps2.xml><?xml version="1.0" encoding="utf-8"?>
-<ds:datastoreItem xmlns:ds="http://schemas.openxmlformats.org/officeDocument/2006/customXml" ds:itemID="{3B8DC8D0-17FB-4D84-BCEC-53437834339B}">
-  <ds:schemaRefs>
-    <ds:schemaRef ds:uri="http://schemas.microsoft.com/office/2006/metadata/properties"/>
-    <ds:schemaRef ds:uri="http://schemas.microsoft.com/office/infopath/2007/PartnerControls"/>
-  </ds:schemaRefs>
-</ds:datastoreItem>
-</file>
-
-<file path=customXml/itemProps3.xml><?xml version="1.0" encoding="utf-8"?>
-<ds:datastoreItem xmlns:ds="http://schemas.openxmlformats.org/officeDocument/2006/customXml" ds:itemID="{60963C8F-CBEA-477F-BB24-A931E65942F9}">
-  <ds:schemaRefs>
-    <ds:schemaRef ds:uri="http://schemas.microsoft.com/sharepoint/v3/contenttype/forms"/>
-  </ds:schemaRefs>
-</ds:datastoreItem>
 </file>